--- a/presentation/multiplying_fractions.pptx
+++ b/presentation/multiplying_fractions.pptx
@@ -14,6 +14,7 @@
     <p:sldId id="262" r:id="rId13"/>
     <p:sldId id="263" r:id="rId14"/>
     <p:sldId id="264" r:id="rId15"/>
+    <p:sldId id="265" r:id="rId16"/>
   </p:sldIdLst>
   <p:sldSz cx="9144000" cy="6858000" type="screen4x3"/>
   <p:notesSz cx="6858000" cy="9144000"/>
@@ -3131,9 +3132,65 @@
         <p:txBody>
           <a:bodyPr/>
           <a:lstStyle/>
-          <a:p>
-            <a:r>
-              <a:t>6th Grade Math Lesson</a:t>
+          <a:p/>
+        </p:txBody>
+      </p:sp>
+    </p:spTree>
+  </p:cSld>
+  <p:clrMapOvr>
+    <a:masterClrMapping/>
+  </p:clrMapOvr>
+</p:sld>
+</file>
+
+<file path=ppt/slides/slide10.xml><?xml version="1.0" encoding="utf-8"?>
+<p:sld xmlns:a="http://schemas.openxmlformats.org/drawingml/2006/main" xmlns:p="http://schemas.openxmlformats.org/presentationml/2006/main" xmlns:r="http://schemas.openxmlformats.org/officeDocument/2006/relationships">
+  <p:cSld>
+    <p:spTree>
+      <p:nvGrpSpPr>
+        <p:cNvPr id="1" name=""/>
+        <p:cNvGrpSpPr/>
+        <p:nvPr/>
+      </p:nvGrpSpPr>
+      <p:grpSpPr/>
+      <p:sp>
+        <p:nvSpPr>
+          <p:cNvPr id="2" name="Title 1"/>
+          <p:cNvSpPr>
+            <a:spLocks noGrp="1"/>
+          </p:cNvSpPr>
+          <p:nvPr>
+            <p:ph type="title"/>
+          </p:nvPr>
+        </p:nvSpPr>
+        <p:spPr/>
+        <p:txBody>
+          <a:bodyPr/>
+          <a:lstStyle/>
+          <a:p>
+            <a:r>
+              <a:t>Summary</a:t>
+            </a:r>
+          </a:p>
+        </p:txBody>
+      </p:sp>
+      <p:sp>
+        <p:nvSpPr>
+          <p:cNvPr id="3" name="Content Placeholder 2"/>
+          <p:cNvSpPr>
+            <a:spLocks noGrp="1"/>
+          </p:cNvSpPr>
+          <p:nvPr>
+            <p:ph idx="1"/>
+          </p:nvPr>
+        </p:nvSpPr>
+        <p:spPr/>
+        <p:txBody>
+          <a:bodyPr/>
+          <a:lstStyle/>
+          <a:p>
+            <a:r>
+              <a:t>We've learned the steps of multiplying fractions and seen an example. Now it's time to practice on your own!</a:t>
             </a:r>
           </a:p>
         </p:txBody>
@@ -3172,28 +3229,28 @@
           <a:lstStyle/>
           <a:p>
             <a:r>
-              <a:t>Introduction</a:t>
-            </a:r>
-          </a:p>
-        </p:txBody>
-      </p:sp>
-      <p:sp>
-        <p:nvSpPr>
-          <p:cNvPr id="3" name="Content Placeholder 2"/>
-          <p:cNvSpPr>
-            <a:spLocks noGrp="1"/>
-          </p:cNvSpPr>
-          <p:nvPr>
-            <p:ph idx="1"/>
-          </p:nvPr>
-        </p:nvSpPr>
-        <p:spPr/>
-        <p:txBody>
-          <a:bodyPr/>
-          <a:lstStyle/>
-          <a:p>
-            <a:r>
-              <a:t>Overview of today's lesson and learning objectives.</a:t>
+              <a:t>What is Fraction Multiplication?</a:t>
+            </a:r>
+          </a:p>
+        </p:txBody>
+      </p:sp>
+      <p:sp>
+        <p:nvSpPr>
+          <p:cNvPr id="3" name="Text Placeholder 2"/>
+          <p:cNvSpPr>
+            <a:spLocks noGrp="1"/>
+          </p:cNvSpPr>
+          <p:nvPr>
+            <p:ph type="body" idx="1"/>
+          </p:nvPr>
+        </p:nvSpPr>
+        <p:spPr/>
+        <p:txBody>
+          <a:bodyPr/>
+          <a:lstStyle/>
+          <a:p>
+            <a:r>
+              <a:t>A Mathematical Operation Applied to Fractions</a:t>
             </a:r>
           </a:p>
         </p:txBody>
@@ -3232,7 +3289,7 @@
           <a:lstStyle/>
           <a:p>
             <a:r>
-              <a:t>What are Fractions?</a:t>
+              <a:t>Key Concept</a:t>
             </a:r>
           </a:p>
         </p:txBody>
@@ -3253,7 +3310,7 @@
           <a:lstStyle/>
           <a:p>
             <a:r>
-              <a:t>A brief recap of fractions and their components: numerator and denominator.</a:t>
+              <a:t>When we multiply fractions, we are finding a part of a part.</a:t>
             </a:r>
           </a:p>
         </p:txBody>
@@ -3292,28 +3349,91 @@
           <a:lstStyle/>
           <a:p>
             <a:r>
-              <a:t>Basics of Multiplying Fractions</a:t>
-            </a:r>
-          </a:p>
-        </p:txBody>
-      </p:sp>
-      <p:sp>
-        <p:nvSpPr>
-          <p:cNvPr id="3" name="Content Placeholder 2"/>
-          <p:cNvSpPr>
-            <a:spLocks noGrp="1"/>
-          </p:cNvSpPr>
-          <p:nvPr>
-            <p:ph idx="1"/>
-          </p:nvPr>
-        </p:nvSpPr>
-        <p:spPr/>
-        <p:txBody>
-          <a:bodyPr/>
-          <a:lstStyle/>
-          <a:p>
-            <a:r>
-              <a:t>Explanation of how to multiply fractions: Multiply the numerators and multiply the denominators.</a:t>
+              <a:t>Multiplication vs. Addition</a:t>
+            </a:r>
+          </a:p>
+        </p:txBody>
+      </p:sp>
+      <p:sp>
+        <p:nvSpPr>
+          <p:cNvPr id="3" name="Text Placeholder 2"/>
+          <p:cNvSpPr>
+            <a:spLocks noGrp="1"/>
+          </p:cNvSpPr>
+          <p:nvPr>
+            <p:ph type="body" idx="1"/>
+          </p:nvPr>
+        </p:nvSpPr>
+        <p:spPr/>
+        <p:txBody>
+          <a:bodyPr/>
+          <a:lstStyle/>
+          <a:p>
+            <a:r>
+              <a:t>Multiplying Fractions</a:t>
+            </a:r>
+          </a:p>
+        </p:txBody>
+      </p:sp>
+      <p:sp>
+        <p:nvSpPr>
+          <p:cNvPr id="4" name="Content Placeholder 3"/>
+          <p:cNvSpPr>
+            <a:spLocks noGrp="1"/>
+          </p:cNvSpPr>
+          <p:nvPr>
+            <p:ph idx="2" sz="half"/>
+          </p:nvPr>
+        </p:nvSpPr>
+        <p:spPr/>
+        <p:txBody>
+          <a:bodyPr/>
+          <a:lstStyle/>
+          <a:p>
+            <a:r>
+              <a:t>Multiply the numerators and the denominators.</a:t>
+            </a:r>
+          </a:p>
+        </p:txBody>
+      </p:sp>
+      <p:sp>
+        <p:nvSpPr>
+          <p:cNvPr id="5" name="Text Placeholder 4"/>
+          <p:cNvSpPr>
+            <a:spLocks noGrp="1"/>
+          </p:cNvSpPr>
+          <p:nvPr>
+            <p:ph type="body" idx="3" sz="quarter"/>
+          </p:nvPr>
+        </p:nvSpPr>
+        <p:spPr/>
+        <p:txBody>
+          <a:bodyPr/>
+          <a:lstStyle/>
+          <a:p>
+            <a:r>
+              <a:t>Adding Fractions</a:t>
+            </a:r>
+          </a:p>
+        </p:txBody>
+      </p:sp>
+      <p:sp>
+        <p:nvSpPr>
+          <p:cNvPr id="6" name="Content Placeholder 5"/>
+          <p:cNvSpPr>
+            <a:spLocks noGrp="1"/>
+          </p:cNvSpPr>
+          <p:nvPr>
+            <p:ph idx="4" sz="quarter"/>
+          </p:nvPr>
+        </p:nvSpPr>
+        <p:spPr/>
+        <p:txBody>
+          <a:bodyPr/>
+          <a:lstStyle/>
+          <a:p>
+            <a:r>
+              <a:t>Find a common denominator before adding numerators.</a:t>
             </a:r>
           </a:p>
         </p:txBody>
@@ -3352,7 +3472,7 @@
           <a:lstStyle/>
           <a:p>
             <a:r>
-              <a:t>Example 1</a:t>
+              <a:t>Steps to Multiply Fractions</a:t>
             </a:r>
           </a:p>
         </p:txBody>
@@ -3364,16 +3484,37 @@
             <a:spLocks noGrp="1"/>
           </p:cNvSpPr>
           <p:nvPr>
-            <p:ph idx="1"/>
-          </p:nvPr>
-        </p:nvSpPr>
-        <p:spPr/>
-        <p:txBody>
-          <a:bodyPr/>
-          <a:lstStyle/>
-          <a:p>
-            <a:r>
-              <a:t>Step-by-step example of a simple fraction multiplication.</a:t>
+            <p:ph idx="1" sz="half"/>
+          </p:nvPr>
+        </p:nvSpPr>
+        <p:spPr/>
+        <p:txBody>
+          <a:bodyPr/>
+          <a:lstStyle/>
+          <a:p>
+            <a:r>
+              <a:t>1. Multiply the numerators.</a:t>
+            </a:r>
+          </a:p>
+        </p:txBody>
+      </p:sp>
+      <p:sp>
+        <p:nvSpPr>
+          <p:cNvPr id="4" name="Content Placeholder 3"/>
+          <p:cNvSpPr>
+            <a:spLocks noGrp="1"/>
+          </p:cNvSpPr>
+          <p:nvPr>
+            <p:ph idx="2" sz="half"/>
+          </p:nvPr>
+        </p:nvSpPr>
+        <p:spPr/>
+        <p:txBody>
+          <a:bodyPr/>
+          <a:lstStyle/>
+          <a:p>
+            <a:r>
+              <a:t>2. Multiply the denominators.</a:t>
             </a:r>
           </a:p>
         </p:txBody>
@@ -3412,7 +3553,7 @@
           <a:lstStyle/>
           <a:p>
             <a:r>
-              <a:t>Example 2</a:t>
+              <a:t>Example Problem</a:t>
             </a:r>
           </a:p>
         </p:txBody>
@@ -3433,7 +3574,28 @@
           <a:lstStyle/>
           <a:p>
             <a:r>
-              <a:t>A slightly more complex example involving larger numbers or mixed numbers.</a:t>
+              <a:t>Let’s multiply 3/4 by 2/3.</a:t>
+            </a:r>
+          </a:p>
+        </p:txBody>
+      </p:sp>
+      <p:sp>
+        <p:nvSpPr>
+          <p:cNvPr id="4" name="Text Placeholder 3"/>
+          <p:cNvSpPr>
+            <a:spLocks noGrp="1"/>
+          </p:cNvSpPr>
+          <p:nvPr>
+            <p:ph type="body" idx="2" sz="half"/>
+          </p:nvPr>
+        </p:nvSpPr>
+        <p:spPr/>
+        <p:txBody>
+          <a:bodyPr/>
+          <a:lstStyle/>
+          <a:p>
+            <a:r>
+              <a:t>Simplifying the Product</a:t>
             </a:r>
           </a:p>
         </p:txBody>
@@ -3472,30 +3634,38 @@
           <a:lstStyle/>
           <a:p>
             <a:r>
-              <a:t>Practice Problem</a:t>
-            </a:r>
-          </a:p>
-        </p:txBody>
-      </p:sp>
-      <p:sp>
-        <p:nvSpPr>
-          <p:cNvPr id="3" name="Content Placeholder 2"/>
-          <p:cNvSpPr>
-            <a:spLocks noGrp="1"/>
-          </p:cNvSpPr>
-          <p:nvPr>
-            <p:ph idx="1"/>
-          </p:nvPr>
-        </p:nvSpPr>
-        <p:spPr/>
-        <p:txBody>
-          <a:bodyPr/>
-          <a:lstStyle/>
-          <a:p>
-            <a:r>
-              <a:t>An interactive practice problem for students to solve.</a:t>
-            </a:r>
-          </a:p>
+              <a:t>Visual Representation</a:t>
+            </a:r>
+          </a:p>
+        </p:txBody>
+      </p:sp>
+      <p:sp>
+        <p:nvSpPr>
+          <p:cNvPr id="3" name="Picture Placeholder 2"/>
+          <p:cNvSpPr>
+            <a:spLocks noGrp="1"/>
+          </p:cNvSpPr>
+          <p:nvPr>
+            <p:ph type="pic" idx="1"/>
+          </p:nvPr>
+        </p:nvSpPr>
+        <p:spPr/>
+      </p:sp>
+      <p:sp>
+        <p:nvSpPr>
+          <p:cNvPr id="4" name="Text Placeholder 3"/>
+          <p:cNvSpPr>
+            <a:spLocks noGrp="1"/>
+          </p:cNvSpPr>
+          <p:nvPr>
+            <p:ph type="body" idx="2" sz="half"/>
+          </p:nvPr>
+        </p:nvSpPr>
+        <p:spPr/>
+        <p:txBody>
+          <a:bodyPr/>
+          <a:lstStyle/>
+          <a:p/>
         </p:txBody>
       </p:sp>
     </p:spTree>
@@ -3532,28 +3702,7 @@
           <a:lstStyle/>
           <a:p>
             <a:r>
-              <a:t>Review and Q&amp;A</a:t>
-            </a:r>
-          </a:p>
-        </p:txBody>
-      </p:sp>
-      <p:sp>
-        <p:nvSpPr>
-          <p:cNvPr id="3" name="Content Placeholder 2"/>
-          <p:cNvSpPr>
-            <a:spLocks noGrp="1"/>
-          </p:cNvSpPr>
-          <p:nvPr>
-            <p:ph idx="1"/>
-          </p:nvPr>
-        </p:nvSpPr>
-        <p:spPr/>
-        <p:txBody>
-          <a:bodyPr/>
-          <a:lstStyle/>
-          <a:p>
-            <a:r>
-              <a:t>Recap of key points and open floor for questions.</a:t>
+              <a:t>Practice Time!</a:t>
             </a:r>
           </a:p>
         </p:txBody>
@@ -3576,48 +3725,6 @@
         <p:nvPr/>
       </p:nvGrpSpPr>
       <p:grpSpPr/>
-      <p:sp>
-        <p:nvSpPr>
-          <p:cNvPr id="2" name="Title 1"/>
-          <p:cNvSpPr>
-            <a:spLocks noGrp="1"/>
-          </p:cNvSpPr>
-          <p:nvPr>
-            <p:ph type="title"/>
-          </p:nvPr>
-        </p:nvSpPr>
-        <p:spPr/>
-        <p:txBody>
-          <a:bodyPr/>
-          <a:lstStyle/>
-          <a:p>
-            <a:r>
-              <a:t>Conclusion</a:t>
-            </a:r>
-          </a:p>
-        </p:txBody>
-      </p:sp>
-      <p:sp>
-        <p:nvSpPr>
-          <p:cNvPr id="3" name="Content Placeholder 2"/>
-          <p:cNvSpPr>
-            <a:spLocks noGrp="1"/>
-          </p:cNvSpPr>
-          <p:nvPr>
-            <p:ph idx="1"/>
-          </p:nvPr>
-        </p:nvSpPr>
-        <p:spPr/>
-        <p:txBody>
-          <a:bodyPr/>
-          <a:lstStyle/>
-          <a:p>
-            <a:r>
-              <a:t>Wrap up and preview of the next lesson.</a:t>
-            </a:r>
-          </a:p>
-        </p:txBody>
-      </p:sp>
     </p:spTree>
   </p:cSld>
   <p:clrMapOvr>
